--- a/powerpoint2.pptx
+++ b/powerpoint2.pptx
@@ -10,6 +10,7 @@
     <p:sldId id="258" r:id="rId4"/>
     <p:sldId id="259" r:id="rId5"/>
     <p:sldId id="260" r:id="rId6"/>
+    <p:sldId id="261" r:id="rId7"/>
   </p:sldIdLst>
   <p:sldSz cx="12192000" cy="6858000"/>
   <p:notesSz cx="6858000" cy="9144000"/>
@@ -3645,7 +3646,7 @@
           <p:cNvPr id="2" name="Title 1">
             <a:extLst>
               <a:ext uri="{FF2B5EF4-FFF2-40B4-BE49-F238E27FC236}">
-                <a16:creationId xmlns:a16="http://schemas.microsoft.com/office/drawing/2014/main" id="{5FE97A22-6EE1-1F4E-A2EB-67A62ABD8760}"/>
+                <a16:creationId xmlns:a16="http://schemas.microsoft.com/office/drawing/2014/main" id="{EA82319A-D3D0-CC4E-ADF0-B3BEA349DDFE}"/>
               </a:ext>
             </a:extLst>
           </p:cNvPr>
@@ -3666,7 +3667,7 @@
             </a:pPr>
             <a:r>
               <a:rPr/>
-              <a:t>3</a:t>
+              <a:t>4</a:t>
             </a:r>
             <a:r>
               <a:rPr/>
@@ -3687,20 +3688,50 @@
           </a:p>
         </p:txBody>
       </p:sp>
-      <p:sp>
-        <p:nvSpPr>
-          <p:cNvPr id="3" name="Content Placeholder 2">
-            <a:extLst>
-              <a:ext uri="{FF2B5EF4-FFF2-40B4-BE49-F238E27FC236}">
-                <a16:creationId xmlns:a16="http://schemas.microsoft.com/office/drawing/2014/main" id="{F7B8AD8A-CACB-1D47-A587-28113D49820D}"/>
-              </a:ext>
-            </a:extLst>
-          </p:cNvPr>
-          <p:cNvSpPr>
-            <a:spLocks noGrp="1"/>
-          </p:cNvSpPr>
-          <p:nvPr>
-            <p:ph idx="1"/>
+      <p:pic>
+        <p:nvPicPr>
+          <p:cNvPr descr="drake.jpeg" id="0" name="Picture 1"/>
+          <p:cNvPicPr>
+            <a:picLocks noGrp="1" noChangeAspect="1"/>
+          </p:cNvPicPr>
+          <p:nvPr/>
+        </p:nvPicPr>
+        <p:blipFill>
+          <a:blip r:embed="rId2"/>
+          <a:stretch>
+            <a:fillRect/>
+          </a:stretch>
+        </p:blipFill>
+        <p:spPr bwMode="auto">
+          <a:xfrm>
+            <a:off x="838200" y="2260600"/>
+            <a:ext cx="5181600" cy="3454400"/>
+          </a:xfrm>
+          <a:prstGeom prst="rect">
+            <a:avLst/>
+          </a:prstGeom>
+          <a:noFill/>
+          <a:ln w="9525">
+            <a:noFill/>
+            <a:headEnd/>
+            <a:tailEnd/>
+          </a:ln>
+        </p:spPr>
+      </p:pic>
+      <p:sp>
+        <p:nvSpPr>
+          <p:cNvPr id="4" name="Content Placeholder 3">
+            <a:extLst>
+              <a:ext uri="{FF2B5EF4-FFF2-40B4-BE49-F238E27FC236}">
+                <a16:creationId xmlns:a16="http://schemas.microsoft.com/office/drawing/2014/main" id="{A22C4C55-6FAE-9B45-B940-FC361C05FC73}"/>
+              </a:ext>
+            </a:extLst>
+          </p:cNvPr>
+          <p:cNvSpPr>
+            <a:spLocks noGrp="1"/>
+          </p:cNvSpPr>
+          <p:nvPr>
+            <p:ph sz="half" idx="2"/>
           </p:nvPr>
         </p:nvSpPr>
         <p:spPr/>
@@ -4175,7 +4206,7 @@
             <a:pPr lvl="1"/>
             <a:r>
               <a:rPr/>
-              <a:t>Default caption can be over-rided by providing a caption.</a:t>
+              <a:t>Default caption can be overridden by providing a caption.</a:t>
             </a:r>
           </a:p>
         </p:txBody>
@@ -4346,6 +4377,183 @@
                 <a:latin typeface="Courier"/>
               </a:rPr>
               <a:t>"Based on data from blablabla..."</a:t>
+            </a:r>
+            <a:br/>
+            <a:r>
+              <a:rPr>
+                <a:latin typeface="Courier"/>
+              </a:rPr>
+              <a:t>)</a:t>
+            </a:r>
+          </a:p>
+        </p:txBody>
+      </p:sp>
+    </p:spTree>
+  </p:cSld>
+</p:sld>
+</file>
+
+<file path=ppt/slides/slide6.xml><?xml version="1.0" encoding="utf-8"?>
+<p:sld xmlns:a="http://schemas.openxmlformats.org/drawingml/2006/main" xmlns:r="http://schemas.openxmlformats.org/officeDocument/2006/relationships" xmlns:p="http://schemas.openxmlformats.org/presentationml/2006/main">
+  <p:cSld>
+    <p:spTree>
+      <p:nvGrpSpPr>
+        <p:cNvPr id="1" name=""/>
+        <p:cNvGrpSpPr/>
+        <p:nvPr/>
+      </p:nvGrpSpPr>
+      <p:grpSpPr>
+        <a:xfrm>
+          <a:off x="0" y="0"/>
+          <a:ext cx="0" cy="0"/>
+          <a:chOff x="0" y="0"/>
+          <a:chExt cx="0" cy="0"/>
+        </a:xfrm>
+      </p:grpSpPr>
+      <p:sp>
+        <p:nvSpPr>
+          <p:cNvPr id="2" name="Title 1">
+            <a:extLst>
+              <a:ext uri="{FF2B5EF4-FFF2-40B4-BE49-F238E27FC236}">
+                <a16:creationId xmlns:a16="http://schemas.microsoft.com/office/drawing/2014/main" id="{EA82319A-D3D0-CC4E-ADF0-B3BEA349DDFE}"/>
+              </a:ext>
+            </a:extLst>
+          </p:cNvPr>
+          <p:cNvSpPr>
+            <a:spLocks noGrp="1"/>
+          </p:cNvSpPr>
+          <p:nvPr>
+            <p:ph type="title"/>
+          </p:nvPr>
+        </p:nvSpPr>
+        <p:spPr/>
+        <p:txBody>
+          <a:bodyPr/>
+          <a:lstStyle/>
+          <a:p>
+            <a:pPr lvl="0" marL="0" indent="0">
+              <a:buNone/>
+            </a:pPr>
+            <a:r>
+              <a:rPr/>
+              <a:t>Mmmm</a:t>
+            </a:r>
+            <a:r>
+              <a:rPr/>
+              <a:t> </a:t>
+            </a:r>
+            <a:r>
+              <a:rPr/>
+              <a:t>donuts…</a:t>
+            </a:r>
+          </a:p>
+        </p:txBody>
+      </p:sp>
+      <p:pic>
+        <p:nvPicPr>
+          <p:cNvPr descr="powerpoint2_files/figure-pptx/unnamed-chunk-8-1.png" id="0" name="Picture 1"/>
+          <p:cNvPicPr>
+            <a:picLocks noGrp="1" noChangeAspect="1"/>
+          </p:cNvPicPr>
+          <p:nvPr/>
+        </p:nvPicPr>
+        <p:blipFill>
+          <a:blip r:embed="rId2"/>
+          <a:stretch>
+            <a:fillRect/>
+          </a:stretch>
+        </p:blipFill>
+        <p:spPr bwMode="auto">
+          <a:xfrm>
+            <a:off x="838200" y="1917700"/>
+            <a:ext cx="5181600" cy="4140200"/>
+          </a:xfrm>
+          <a:prstGeom prst="rect">
+            <a:avLst/>
+          </a:prstGeom>
+          <a:noFill/>
+          <a:ln w="9525">
+            <a:noFill/>
+            <a:headEnd/>
+            <a:tailEnd/>
+          </a:ln>
+        </p:spPr>
+      </p:pic>
+      <p:sp>
+        <p:nvSpPr>
+          <p:cNvPr id="4" name="Content Placeholder 3">
+            <a:extLst>
+              <a:ext uri="{FF2B5EF4-FFF2-40B4-BE49-F238E27FC236}">
+                <a16:creationId xmlns:a16="http://schemas.microsoft.com/office/drawing/2014/main" id="{A22C4C55-6FAE-9B45-B940-FC361C05FC73}"/>
+              </a:ext>
+            </a:extLst>
+          </p:cNvPr>
+          <p:cNvSpPr>
+            <a:spLocks noGrp="1"/>
+          </p:cNvSpPr>
+          <p:nvPr>
+            <p:ph sz="half" idx="2"/>
+          </p:nvPr>
+        </p:nvSpPr>
+        <p:spPr/>
+        <p:txBody>
+          <a:bodyPr/>
+          <a:lstStyle/>
+          <a:p>
+            <a:pPr lvl="0" indent="0">
+              <a:buNone/>
+            </a:pPr>
+            <a:r>
+              <a:rPr>
+                <a:solidFill>
+                  <a:srgbClr val="06287E"/>
+                </a:solidFill>
+                <a:latin typeface="Courier"/>
+              </a:rPr>
+              <a:t>aest_donut</a:t>
+            </a:r>
+            <a:r>
+              <a:rPr>
+                <a:latin typeface="Courier"/>
+              </a:rPr>
+              <a:t>(</a:t>
+            </a:r>
+            <a:br/>
+            <a:r>
+              <a:rPr>
+                <a:latin typeface="Courier"/>
+              </a:rPr>
+              <a:t>  lmo,</a:t>
+            </a:r>
+            <a:br/>
+            <a:r>
+              <a:rPr>
+                <a:latin typeface="Courier"/>
+              </a:rPr>
+              <a:t>  category,</a:t>
+            </a:r>
+            <a:br/>
+            <a:r>
+              <a:rPr>
+                <a:latin typeface="Courier"/>
+              </a:rPr>
+              <a:t>  number,</a:t>
+            </a:r>
+            <a:br/>
+            <a:r>
+              <a:rPr>
+                <a:latin typeface="Courier"/>
+              </a:rPr>
+              <a:t>  </a:t>
+            </a:r>
+            <a:r>
+              <a:rPr>
+                <a:solidFill>
+                  <a:srgbClr val="4070A0"/>
+                </a:solidFill>
+                <a:latin typeface="Courier"/>
+              </a:rPr>
+              <a:t>"center text"</a:t>
             </a:r>
             <a:br/>
             <a:r>
